--- a/Webinars/XenAppBlog - The Power of PowerShell/slides.pptx
+++ b/Webinars/XenAppBlog - The Power of PowerShell/slides.pptx
@@ -5,7 +5,7 @@
     <p:sldMasterId id="2147483648" r:id="rId1"/>
   </p:sldMasterIdLst>
   <p:notesMasterIdLst>
-    <p:notesMasterId r:id="rId10"/>
+    <p:notesMasterId r:id="rId9"/>
   </p:notesMasterIdLst>
   <p:sldIdLst>
     <p:sldId id="268" r:id="rId2"/>
@@ -13,9 +13,8 @@
     <p:sldId id="272" r:id="rId4"/>
     <p:sldId id="269" r:id="rId5"/>
     <p:sldId id="273" r:id="rId6"/>
-    <p:sldId id="271" r:id="rId7"/>
-    <p:sldId id="274" r:id="rId8"/>
-    <p:sldId id="275" r:id="rId9"/>
+    <p:sldId id="274" r:id="rId7"/>
+    <p:sldId id="275" r:id="rId8"/>
   </p:sldIdLst>
   <p:sldSz cx="12192000" cy="6858000"/>
   <p:notesSz cx="6858000" cy="9144000"/>
@@ -631,90 +630,6 @@
     <p:extLst>
       <p:ext uri="{BB962C8B-B14F-4D97-AF65-F5344CB8AC3E}">
         <p14:creationId xmlns:p14="http://schemas.microsoft.com/office/powerpoint/2010/main" val="3411291290"/>
-      </p:ext>
-    </p:extLst>
-  </p:cSld>
-  <p:clrMapOvr>
-    <a:masterClrMapping/>
-  </p:clrMapOvr>
-</p:notes>
-</file>
-
-<file path=ppt/notesSlides/notesSlide3.xml><?xml version="1.0" encoding="utf-8"?>
-<p:notes xmlns:a="http://schemas.openxmlformats.org/drawingml/2006/main" xmlns:r="http://schemas.openxmlformats.org/officeDocument/2006/relationships" xmlns:p="http://schemas.openxmlformats.org/presentationml/2006/main">
-  <p:cSld>
-    <p:spTree>
-      <p:nvGrpSpPr>
-        <p:cNvPr id="1" name=""/>
-        <p:cNvGrpSpPr/>
-        <p:nvPr/>
-      </p:nvGrpSpPr>
-      <p:grpSpPr>
-        <a:xfrm>
-          <a:off x="0" y="0"/>
-          <a:ext cx="0" cy="0"/>
-          <a:chOff x="0" y="0"/>
-          <a:chExt cx="0" cy="0"/>
-        </a:xfrm>
-      </p:grpSpPr>
-      <p:sp>
-        <p:nvSpPr>
-          <p:cNvPr id="2" name="Slide Image Placeholder 1"/>
-          <p:cNvSpPr>
-            <a:spLocks noGrp="1" noRot="1" noChangeAspect="1"/>
-          </p:cNvSpPr>
-          <p:nvPr>
-            <p:ph type="sldImg"/>
-          </p:nvPr>
-        </p:nvSpPr>
-        <p:spPr/>
-      </p:sp>
-      <p:sp>
-        <p:nvSpPr>
-          <p:cNvPr id="3" name="Notes Placeholder 2"/>
-          <p:cNvSpPr>
-            <a:spLocks noGrp="1"/>
-          </p:cNvSpPr>
-          <p:nvPr>
-            <p:ph type="body" idx="1"/>
-          </p:nvPr>
-        </p:nvSpPr>
-        <p:spPr/>
-        <p:txBody>
-          <a:bodyPr/>
-          <a:lstStyle/>
-          <a:p>
-            <a:endParaRPr lang="en-US"/>
-          </a:p>
-        </p:txBody>
-      </p:sp>
-      <p:sp>
-        <p:nvSpPr>
-          <p:cNvPr id="4" name="Slide Number Placeholder 3"/>
-          <p:cNvSpPr>
-            <a:spLocks noGrp="1"/>
-          </p:cNvSpPr>
-          <p:nvPr>
-            <p:ph type="sldNum" sz="quarter" idx="10"/>
-          </p:nvPr>
-        </p:nvSpPr>
-        <p:spPr/>
-        <p:txBody>
-          <a:bodyPr/>
-          <a:lstStyle/>
-          <a:p>
-            <a:fld id="{D111437B-3AA8-43CB-B57A-495CDFDB73EB}" type="slidenum">
-              <a:rPr lang="en-US" smtClean="0"/>
-              <a:t>6</a:t>
-            </a:fld>
-            <a:endParaRPr lang="en-US"/>
-          </a:p>
-        </p:txBody>
-      </p:sp>
-    </p:spTree>
-    <p:extLst>
-      <p:ext uri="{BB962C8B-B14F-4D97-AF65-F5344CB8AC3E}">
-        <p14:creationId xmlns:p14="http://schemas.microsoft.com/office/powerpoint/2010/main" val="1738161273"/>
       </p:ext>
     </p:extLst>
   </p:cSld>
@@ -4306,25 +4221,145 @@
         </p:nvSpPr>
         <p:spPr/>
         <p:txBody>
-          <a:bodyPr>
-            <a:normAutofit/>
-          </a:bodyPr>
+          <a:bodyPr/>
           <a:lstStyle/>
           <a:p>
             <a:r>
               <a:rPr lang="en-US" dirty="0" smtClean="0">
-                <a:solidFill>
-                  <a:srgbClr val="231F20"/>
-                </a:solidFill>
                 <a:latin typeface="Myriad Pro Light" panose="020B0403030403020204" pitchFamily="34" charset="0"/>
               </a:rPr>
-              <a:t>Demo Environment</a:t>
+              <a:t>Demo Workflow</a:t>
             </a:r>
             <a:endParaRPr lang="en-US" dirty="0">
-              <a:solidFill>
-                <a:srgbClr val="231F20"/>
-              </a:solidFill>
-              <a:latin typeface="Helvetica Neue" panose="02000503000000020004" pitchFamily="2"/>
+              <a:latin typeface="Myriad Pro Light" panose="020B0403030403020204" pitchFamily="34" charset="0"/>
+            </a:endParaRPr>
+          </a:p>
+        </p:txBody>
+      </p:sp>
+      <p:sp>
+        <p:nvSpPr>
+          <p:cNvPr id="3" name="Content Placeholder 2"/>
+          <p:cNvSpPr>
+            <a:spLocks noGrp="1"/>
+          </p:cNvSpPr>
+          <p:nvPr>
+            <p:ph idx="1"/>
+          </p:nvPr>
+        </p:nvSpPr>
+        <p:spPr>
+          <a:xfrm>
+            <a:off x="838200" y="1825625"/>
+            <a:ext cx="9202271" cy="3974540"/>
+          </a:xfrm>
+          <a:solidFill>
+            <a:schemeClr val="accent3">
+              <a:lumMod val="40000"/>
+              <a:lumOff val="60000"/>
+            </a:schemeClr>
+          </a:solidFill>
+        </p:spPr>
+        <p:txBody>
+          <a:bodyPr>
+            <a:normAutofit fontScale="92500"/>
+          </a:bodyPr>
+          <a:lstStyle/>
+          <a:p>
+            <a:pPr marL="514350" indent="-514350">
+              <a:buFont typeface="+mj-lt"/>
+              <a:buAutoNum type="arabicPeriod"/>
+            </a:pPr>
+            <a:r>
+              <a:rPr lang="en-US" sz="4000" dirty="0" smtClean="0">
+                <a:latin typeface="Myriad Pro Light" panose="020B0403030403020204" pitchFamily="34" charset="0"/>
+              </a:rPr>
+              <a:t>Take input</a:t>
+            </a:r>
+          </a:p>
+          <a:p>
+            <a:pPr marL="971550" lvl="1" indent="-514350">
+              <a:buFont typeface="+mj-lt"/>
+              <a:buAutoNum type="arabicPeriod"/>
+            </a:pPr>
+            <a:r>
+              <a:rPr lang="en-US" sz="4000" dirty="0" smtClean="0">
+                <a:latin typeface="Myriad Pro Light" panose="020B0403030403020204" pitchFamily="34" charset="0"/>
+              </a:rPr>
+              <a:t>Client names, software package folder…</a:t>
+            </a:r>
+          </a:p>
+          <a:p>
+            <a:pPr marL="514350" indent="-514350">
+              <a:buFont typeface="+mj-lt"/>
+              <a:buAutoNum type="arabicPeriod"/>
+            </a:pPr>
+            <a:r>
+              <a:rPr lang="en-US" sz="4000" dirty="0" smtClean="0">
+                <a:latin typeface="Myriad Pro Light" panose="020B0403030403020204" pitchFamily="34" charset="0"/>
+              </a:rPr>
+              <a:t>Test </a:t>
+            </a:r>
+            <a:r>
+              <a:rPr lang="en-US" sz="4000" dirty="0">
+                <a:latin typeface="Myriad Pro Light" panose="020B0403030403020204" pitchFamily="34" charset="0"/>
+              </a:rPr>
+              <a:t>client for connectivity </a:t>
+            </a:r>
+            <a:r>
+              <a:rPr lang="en-US" sz="4000" dirty="0" err="1">
+                <a:latin typeface="Myriad Pro Light" panose="020B0403030403020204" pitchFamily="34" charset="0"/>
+              </a:rPr>
+              <a:t>prereqs</a:t>
+            </a:r>
+            <a:r>
+              <a:rPr lang="en-US" sz="4000" dirty="0" smtClean="0">
+                <a:latin typeface="Myriad Pro Light" panose="020B0403030403020204" pitchFamily="34" charset="0"/>
+              </a:rPr>
+              <a:t>.</a:t>
+            </a:r>
+          </a:p>
+          <a:p>
+            <a:pPr marL="514350" indent="-514350">
+              <a:buFont typeface="+mj-lt"/>
+              <a:buAutoNum type="arabicPeriod"/>
+            </a:pPr>
+            <a:r>
+              <a:rPr lang="en-US" sz="4000" dirty="0">
+                <a:latin typeface="Myriad Pro Light" panose="020B0403030403020204" pitchFamily="34" charset="0"/>
+              </a:rPr>
+              <a:t>Copy module locally to each client</a:t>
+            </a:r>
+            <a:r>
+              <a:rPr lang="en-US" sz="4000" dirty="0" smtClean="0">
+                <a:latin typeface="Myriad Pro Light" panose="020B0403030403020204" pitchFamily="34" charset="0"/>
+              </a:rPr>
+              <a:t>.</a:t>
+            </a:r>
+          </a:p>
+          <a:p>
+            <a:pPr marL="514350" indent="-514350">
+              <a:buFont typeface="+mj-lt"/>
+              <a:buAutoNum type="arabicPeriod"/>
+            </a:pPr>
+            <a:r>
+              <a:rPr lang="en-US" sz="4000" dirty="0" smtClean="0">
+                <a:latin typeface="Myriad Pro Light" panose="020B0403030403020204" pitchFamily="34" charset="0"/>
+              </a:rPr>
+              <a:t>Execute software installer</a:t>
+            </a:r>
+          </a:p>
+          <a:p>
+            <a:pPr marL="514350" indent="-514350">
+              <a:buFont typeface="+mj-lt"/>
+              <a:buAutoNum type="arabicPeriod"/>
+            </a:pPr>
+            <a:r>
+              <a:rPr lang="en-US" sz="4000" dirty="0" smtClean="0">
+                <a:latin typeface="Myriad Pro Light" panose="020B0403030403020204" pitchFamily="34" charset="0"/>
+              </a:rPr>
+              <a:t>Cleanup</a:t>
+            </a:r>
+            <a:endParaRPr lang="en-US" sz="4000" dirty="0">
+              <a:latin typeface="Myriad Pro Light" panose="020B0403030403020204" pitchFamily="34" charset="0"/>
             </a:endParaRPr>
           </a:p>
         </p:txBody>
@@ -4332,20 +4367,13 @@
     </p:spTree>
     <p:extLst>
       <p:ext uri="{BB962C8B-B14F-4D97-AF65-F5344CB8AC3E}">
-        <p14:creationId xmlns:p14="http://schemas.microsoft.com/office/powerpoint/2010/main" val="2949747280"/>
+        <p14:creationId xmlns:p14="http://schemas.microsoft.com/office/powerpoint/2010/main" val="2990833156"/>
       </p:ext>
     </p:extLst>
   </p:cSld>
   <p:clrMapOvr>
     <a:masterClrMapping/>
   </p:clrMapOvr>
-  <p:timing>
-    <p:tnLst>
-      <p:par>
-        <p:cTn id="1" dur="indefinite" restart="never" nodeType="tmRoot"/>
-      </p:par>
-    </p:tnLst>
-  </p:timing>
 </p:sld>
 </file>
 
@@ -4382,191 +4410,6 @@
           <a:lstStyle/>
           <a:p>
             <a:r>
-              <a:rPr lang="en-US" dirty="0" smtClean="0">
-                <a:latin typeface="Myriad Pro Light" panose="020B0403030403020204" pitchFamily="34" charset="0"/>
-              </a:rPr>
-              <a:t>Demo Workflow</a:t>
-            </a:r>
-            <a:endParaRPr lang="en-US" dirty="0">
-              <a:latin typeface="Myriad Pro Light" panose="020B0403030403020204" pitchFamily="34" charset="0"/>
-            </a:endParaRPr>
-          </a:p>
-        </p:txBody>
-      </p:sp>
-      <p:sp>
-        <p:nvSpPr>
-          <p:cNvPr id="3" name="Content Placeholder 2"/>
-          <p:cNvSpPr>
-            <a:spLocks noGrp="1"/>
-          </p:cNvSpPr>
-          <p:nvPr>
-            <p:ph idx="1"/>
-          </p:nvPr>
-        </p:nvSpPr>
-        <p:spPr>
-          <a:xfrm>
-            <a:off x="838200" y="1825625"/>
-            <a:ext cx="9202271" cy="3974540"/>
-          </a:xfrm>
-          <a:solidFill>
-            <a:schemeClr val="accent3">
-              <a:lumMod val="40000"/>
-              <a:lumOff val="60000"/>
-            </a:schemeClr>
-          </a:solidFill>
-        </p:spPr>
-        <p:txBody>
-          <a:bodyPr>
-            <a:normAutofit fontScale="92500"/>
-          </a:bodyPr>
-          <a:lstStyle/>
-          <a:p>
-            <a:pPr marL="514350" indent="-514350">
-              <a:buFont typeface="+mj-lt"/>
-              <a:buAutoNum type="arabicPeriod"/>
-            </a:pPr>
-            <a:r>
-              <a:rPr lang="en-US" sz="4000" dirty="0" smtClean="0">
-                <a:latin typeface="Myriad Pro Light" panose="020B0403030403020204" pitchFamily="34" charset="0"/>
-              </a:rPr>
-              <a:t>Take input</a:t>
-            </a:r>
-          </a:p>
-          <a:p>
-            <a:pPr marL="971550" lvl="1" indent="-514350">
-              <a:buFont typeface="+mj-lt"/>
-              <a:buAutoNum type="arabicPeriod"/>
-            </a:pPr>
-            <a:r>
-              <a:rPr lang="en-US" sz="4000" dirty="0" smtClean="0">
-                <a:latin typeface="Myriad Pro Light" panose="020B0403030403020204" pitchFamily="34" charset="0"/>
-              </a:rPr>
-              <a:t>Client names, software package folder…</a:t>
-            </a:r>
-          </a:p>
-          <a:p>
-            <a:pPr marL="514350" indent="-514350">
-              <a:buFont typeface="+mj-lt"/>
-              <a:buAutoNum type="arabicPeriod"/>
-            </a:pPr>
-            <a:r>
-              <a:rPr lang="en-US" sz="4000" dirty="0" smtClean="0">
-                <a:latin typeface="Myriad Pro Light" panose="020B0403030403020204" pitchFamily="34" charset="0"/>
-              </a:rPr>
-              <a:t>Test </a:t>
-            </a:r>
-            <a:r>
-              <a:rPr lang="en-US" sz="4000" dirty="0">
-                <a:latin typeface="Myriad Pro Light" panose="020B0403030403020204" pitchFamily="34" charset="0"/>
-              </a:rPr>
-              <a:t>client for connectivity </a:t>
-            </a:r>
-            <a:r>
-              <a:rPr lang="en-US" sz="4000" dirty="0" err="1">
-                <a:latin typeface="Myriad Pro Light" panose="020B0403030403020204" pitchFamily="34" charset="0"/>
-              </a:rPr>
-              <a:t>prereqs</a:t>
-            </a:r>
-            <a:r>
-              <a:rPr lang="en-US" sz="4000" dirty="0" smtClean="0">
-                <a:latin typeface="Myriad Pro Light" panose="020B0403030403020204" pitchFamily="34" charset="0"/>
-              </a:rPr>
-              <a:t>.</a:t>
-            </a:r>
-          </a:p>
-          <a:p>
-            <a:pPr marL="514350" indent="-514350">
-              <a:buFont typeface="+mj-lt"/>
-              <a:buAutoNum type="arabicPeriod"/>
-            </a:pPr>
-            <a:r>
-              <a:rPr lang="en-US" sz="4000" dirty="0">
-                <a:latin typeface="Myriad Pro Light" panose="020B0403030403020204" pitchFamily="34" charset="0"/>
-              </a:rPr>
-              <a:t>Copy module locally to each client</a:t>
-            </a:r>
-            <a:r>
-              <a:rPr lang="en-US" sz="4000" dirty="0" smtClean="0">
-                <a:latin typeface="Myriad Pro Light" panose="020B0403030403020204" pitchFamily="34" charset="0"/>
-              </a:rPr>
-              <a:t>.</a:t>
-            </a:r>
-          </a:p>
-          <a:p>
-            <a:pPr marL="514350" indent="-514350">
-              <a:buFont typeface="+mj-lt"/>
-              <a:buAutoNum type="arabicPeriod"/>
-            </a:pPr>
-            <a:r>
-              <a:rPr lang="en-US" sz="4000" dirty="0" smtClean="0">
-                <a:latin typeface="Myriad Pro Light" panose="020B0403030403020204" pitchFamily="34" charset="0"/>
-              </a:rPr>
-              <a:t>Execute software installer</a:t>
-            </a:r>
-          </a:p>
-          <a:p>
-            <a:pPr marL="514350" indent="-514350">
-              <a:buFont typeface="+mj-lt"/>
-              <a:buAutoNum type="arabicPeriod"/>
-            </a:pPr>
-            <a:r>
-              <a:rPr lang="en-US" sz="4000" dirty="0" smtClean="0">
-                <a:latin typeface="Myriad Pro Light" panose="020B0403030403020204" pitchFamily="34" charset="0"/>
-              </a:rPr>
-              <a:t>Cleanup</a:t>
-            </a:r>
-            <a:endParaRPr lang="en-US" sz="4000" dirty="0">
-              <a:latin typeface="Myriad Pro Light" panose="020B0403030403020204" pitchFamily="34" charset="0"/>
-            </a:endParaRPr>
-          </a:p>
-        </p:txBody>
-      </p:sp>
-    </p:spTree>
-    <p:extLst>
-      <p:ext uri="{BB962C8B-B14F-4D97-AF65-F5344CB8AC3E}">
-        <p14:creationId xmlns:p14="http://schemas.microsoft.com/office/powerpoint/2010/main" val="2990833156"/>
-      </p:ext>
-    </p:extLst>
-  </p:cSld>
-  <p:clrMapOvr>
-    <a:masterClrMapping/>
-  </p:clrMapOvr>
-</p:sld>
-</file>
-
-<file path=ppt/slides/slide8.xml><?xml version="1.0" encoding="utf-8"?>
-<p:sld xmlns:a="http://schemas.openxmlformats.org/drawingml/2006/main" xmlns:r="http://schemas.openxmlformats.org/officeDocument/2006/relationships" xmlns:p="http://schemas.openxmlformats.org/presentationml/2006/main">
-  <p:cSld>
-    <p:spTree>
-      <p:nvGrpSpPr>
-        <p:cNvPr id="1" name=""/>
-        <p:cNvGrpSpPr/>
-        <p:nvPr/>
-      </p:nvGrpSpPr>
-      <p:grpSpPr>
-        <a:xfrm>
-          <a:off x="0" y="0"/>
-          <a:ext cx="0" cy="0"/>
-          <a:chOff x="0" y="0"/>
-          <a:chExt cx="0" cy="0"/>
-        </a:xfrm>
-      </p:grpSpPr>
-      <p:sp>
-        <p:nvSpPr>
-          <p:cNvPr id="2" name="Title 1"/>
-          <p:cNvSpPr>
-            <a:spLocks noGrp="1"/>
-          </p:cNvSpPr>
-          <p:nvPr>
-            <p:ph type="title"/>
-          </p:nvPr>
-        </p:nvSpPr>
-        <p:spPr/>
-        <p:txBody>
-          <a:bodyPr/>
-          <a:lstStyle/>
-          <a:p>
-            <a:r>
               <a:rPr lang="en-US" dirty="0" smtClean="0"/>
               <a:t>Demo and Slide Download</a:t>
             </a:r>
@@ -4598,8 +4441,11 @@
               <a:rPr lang="en-US" dirty="0">
                 <a:latin typeface="Myriad Pro Light" panose="020B0403030403020204" pitchFamily="34" charset="0"/>
               </a:rPr>
-              <a:t>https://github.com/adbertram/Session-Content</a:t>
-            </a:r>
+              <a:t>http://bit.ly/virtualexpocontent</a:t>
+            </a:r>
+            <a:endParaRPr lang="en-US" dirty="0">
+              <a:latin typeface="Myriad Pro Light" panose="020B0403030403020204" pitchFamily="34" charset="0"/>
+            </a:endParaRPr>
           </a:p>
         </p:txBody>
       </p:sp>
